--- a/graph/temp.pptx
+++ b/graph/temp.pptx
@@ -105,6 +105,11 @@
       </a:defRPr>
     </a:lvl9pPr>
   </p:defaultTextStyle>
+  <p:extLst>
+    <p:ext uri="{EFAFB233-063F-42B5-8137-9DF3F51BA10A}">
+      <p15:sldGuideLst xmlns:p15="http://schemas.microsoft.com/office/powerpoint/2012/main"/>
+    </p:ext>
+  </p:extLst>
 </p:presentation>
 </file>
 
@@ -239,7 +244,7 @@
           <a:p>
             <a:fld id="{402BBB57-00DD-49AE-8CB4-8783E5DC1DD6}" type="datetimeFigureOut">
               <a:rPr lang="en-US" smtClean="0"/>
-              <a:t>10/8/2025</a:t>
+              <a:t>10/22/2025</a:t>
             </a:fld>
             <a:endParaRPr lang="en-US"/>
           </a:p>
@@ -409,7 +414,7 @@
           <a:p>
             <a:fld id="{402BBB57-00DD-49AE-8CB4-8783E5DC1DD6}" type="datetimeFigureOut">
               <a:rPr lang="en-US" smtClean="0"/>
-              <a:t>10/8/2025</a:t>
+              <a:t>10/22/2025</a:t>
             </a:fld>
             <a:endParaRPr lang="en-US"/>
           </a:p>
@@ -589,7 +594,7 @@
           <a:p>
             <a:fld id="{402BBB57-00DD-49AE-8CB4-8783E5DC1DD6}" type="datetimeFigureOut">
               <a:rPr lang="en-US" smtClean="0"/>
-              <a:t>10/8/2025</a:t>
+              <a:t>10/22/2025</a:t>
             </a:fld>
             <a:endParaRPr lang="en-US"/>
           </a:p>
@@ -759,7 +764,7 @@
           <a:p>
             <a:fld id="{402BBB57-00DD-49AE-8CB4-8783E5DC1DD6}" type="datetimeFigureOut">
               <a:rPr lang="en-US" smtClean="0"/>
-              <a:t>10/8/2025</a:t>
+              <a:t>10/22/2025</a:t>
             </a:fld>
             <a:endParaRPr lang="en-US"/>
           </a:p>
@@ -1005,7 +1010,7 @@
           <a:p>
             <a:fld id="{402BBB57-00DD-49AE-8CB4-8783E5DC1DD6}" type="datetimeFigureOut">
               <a:rPr lang="en-US" smtClean="0"/>
-              <a:t>10/8/2025</a:t>
+              <a:t>10/22/2025</a:t>
             </a:fld>
             <a:endParaRPr lang="en-US"/>
           </a:p>
@@ -1237,7 +1242,7 @@
           <a:p>
             <a:fld id="{402BBB57-00DD-49AE-8CB4-8783E5DC1DD6}" type="datetimeFigureOut">
               <a:rPr lang="en-US" smtClean="0"/>
-              <a:t>10/8/2025</a:t>
+              <a:t>10/22/2025</a:t>
             </a:fld>
             <a:endParaRPr lang="en-US"/>
           </a:p>
@@ -1604,7 +1609,7 @@
           <a:p>
             <a:fld id="{402BBB57-00DD-49AE-8CB4-8783E5DC1DD6}" type="datetimeFigureOut">
               <a:rPr lang="en-US" smtClean="0"/>
-              <a:t>10/8/2025</a:t>
+              <a:t>10/22/2025</a:t>
             </a:fld>
             <a:endParaRPr lang="en-US"/>
           </a:p>
@@ -1722,7 +1727,7 @@
           <a:p>
             <a:fld id="{402BBB57-00DD-49AE-8CB4-8783E5DC1DD6}" type="datetimeFigureOut">
               <a:rPr lang="en-US" smtClean="0"/>
-              <a:t>10/8/2025</a:t>
+              <a:t>10/22/2025</a:t>
             </a:fld>
             <a:endParaRPr lang="en-US"/>
           </a:p>
@@ -1817,7 +1822,7 @@
           <a:p>
             <a:fld id="{402BBB57-00DD-49AE-8CB4-8783E5DC1DD6}" type="datetimeFigureOut">
               <a:rPr lang="en-US" smtClean="0"/>
-              <a:t>10/8/2025</a:t>
+              <a:t>10/22/2025</a:t>
             </a:fld>
             <a:endParaRPr lang="en-US"/>
           </a:p>
@@ -2094,7 +2099,7 @@
           <a:p>
             <a:fld id="{402BBB57-00DD-49AE-8CB4-8783E5DC1DD6}" type="datetimeFigureOut">
               <a:rPr lang="en-US" smtClean="0"/>
-              <a:t>10/8/2025</a:t>
+              <a:t>10/22/2025</a:t>
             </a:fld>
             <a:endParaRPr lang="en-US"/>
           </a:p>
@@ -2351,7 +2356,7 @@
           <a:p>
             <a:fld id="{402BBB57-00DD-49AE-8CB4-8783E5DC1DD6}" type="datetimeFigureOut">
               <a:rPr lang="en-US" smtClean="0"/>
-              <a:t>10/8/2025</a:t>
+              <a:t>10/22/2025</a:t>
             </a:fld>
             <a:endParaRPr lang="en-US"/>
           </a:p>
@@ -2564,7 +2569,7 @@
           <a:p>
             <a:fld id="{402BBB57-00DD-49AE-8CB4-8783E5DC1DD6}" type="datetimeFigureOut">
               <a:rPr lang="en-US" smtClean="0"/>
-              <a:t>10/8/2025</a:t>
+              <a:t>10/22/2025</a:t>
             </a:fld>
             <a:endParaRPr lang="en-US"/>
           </a:p>
@@ -2989,6 +2994,63 @@
             <a:chExt cx="1230059" cy="1000929"/>
           </a:xfrm>
         </p:grpSpPr>
+        <p:sp>
+          <p:nvSpPr>
+            <p:cNvPr id="15" name="Прямоугольник 14">
+              <a:extLst>
+                <a:ext uri="{FF2B5EF4-FFF2-40B4-BE49-F238E27FC236}">
+                  <a16:creationId xmlns:a16="http://schemas.microsoft.com/office/drawing/2014/main" id="{49547C57-C2CD-5AAB-00F3-98F1207CE143}"/>
+                </a:ext>
+              </a:extLst>
+            </p:cNvPr>
+            <p:cNvSpPr/>
+            <p:nvPr/>
+          </p:nvSpPr>
+          <p:spPr>
+            <a:xfrm>
+              <a:off x="228597" y="164108"/>
+              <a:ext cx="898526" cy="705836"/>
+            </a:xfrm>
+            <a:prstGeom prst="rect">
+              <a:avLst/>
+            </a:prstGeom>
+            <a:solidFill>
+              <a:schemeClr val="bg1">
+                <a:alpha val="0"/>
+              </a:schemeClr>
+            </a:solidFill>
+            <a:ln w="4445">
+              <a:solidFill>
+                <a:schemeClr val="tx1"/>
+              </a:solidFill>
+              <a:prstDash val="dash"/>
+            </a:ln>
+          </p:spPr>
+          <p:style>
+            <a:lnRef idx="2">
+              <a:schemeClr val="accent1">
+                <a:shade val="15000"/>
+              </a:schemeClr>
+            </a:lnRef>
+            <a:fillRef idx="1">
+              <a:schemeClr val="accent1"/>
+            </a:fillRef>
+            <a:effectRef idx="0">
+              <a:schemeClr val="accent1"/>
+            </a:effectRef>
+            <a:fontRef idx="minor">
+              <a:schemeClr val="lt1"/>
+            </a:fontRef>
+          </p:style>
+          <p:txBody>
+            <a:bodyPr rtlCol="0" anchor="ctr"/>
+            <a:lstStyle/>
+            <a:p>
+              <a:pPr algn="ctr"/>
+              <a:endParaRPr lang="en-US" dirty="0"/>
+            </a:p>
+          </p:txBody>
+        </p:sp>
         <p:cxnSp>
           <p:nvCxnSpPr>
             <p:cNvPr id="5" name="Прямая со стрелкой 4">
@@ -3119,6 +3181,90 @@
                 <a:gd name="connsiteY0" fmla="*/ 777875 h 777875"/>
                 <a:gd name="connsiteX1" fmla="*/ 901700 w 901700"/>
                 <a:gd name="connsiteY1" fmla="*/ 0 h 777875"/>
+                <a:gd name="connsiteX0" fmla="*/ 0 w 901700"/>
+                <a:gd name="connsiteY0" fmla="*/ 777875 h 777875"/>
+                <a:gd name="connsiteX1" fmla="*/ 603186 w 901700"/>
+                <a:gd name="connsiteY1" fmla="*/ 335242 h 777875"/>
+                <a:gd name="connsiteX2" fmla="*/ 901700 w 901700"/>
+                <a:gd name="connsiteY2" fmla="*/ 0 h 777875"/>
+                <a:gd name="connsiteX0" fmla="*/ 0 w 901700"/>
+                <a:gd name="connsiteY0" fmla="*/ 777875 h 777875"/>
+                <a:gd name="connsiteX1" fmla="*/ 603186 w 901700"/>
+                <a:gd name="connsiteY1" fmla="*/ 335242 h 777875"/>
+                <a:gd name="connsiteX2" fmla="*/ 901700 w 901700"/>
+                <a:gd name="connsiteY2" fmla="*/ 0 h 777875"/>
+                <a:gd name="connsiteX0" fmla="*/ 0 w 901700"/>
+                <a:gd name="connsiteY0" fmla="*/ 777875 h 777875"/>
+                <a:gd name="connsiteX1" fmla="*/ 603186 w 901700"/>
+                <a:gd name="connsiteY1" fmla="*/ 335242 h 777875"/>
+                <a:gd name="connsiteX2" fmla="*/ 901700 w 901700"/>
+                <a:gd name="connsiteY2" fmla="*/ 0 h 777875"/>
+                <a:gd name="connsiteX0" fmla="*/ 0 w 901700"/>
+                <a:gd name="connsiteY0" fmla="*/ 777875 h 777875"/>
+                <a:gd name="connsiteX1" fmla="*/ 359441 w 901700"/>
+                <a:gd name="connsiteY1" fmla="*/ 434965 h 777875"/>
+                <a:gd name="connsiteX2" fmla="*/ 901700 w 901700"/>
+                <a:gd name="connsiteY2" fmla="*/ 0 h 777875"/>
+                <a:gd name="connsiteX0" fmla="*/ 0 w 901700"/>
+                <a:gd name="connsiteY0" fmla="*/ 777875 h 777875"/>
+                <a:gd name="connsiteX1" fmla="*/ 359441 w 901700"/>
+                <a:gd name="connsiteY1" fmla="*/ 434965 h 777875"/>
+                <a:gd name="connsiteX2" fmla="*/ 901700 w 901700"/>
+                <a:gd name="connsiteY2" fmla="*/ 0 h 777875"/>
+                <a:gd name="connsiteX0" fmla="*/ 0 w 901700"/>
+                <a:gd name="connsiteY0" fmla="*/ 777875 h 777875"/>
+                <a:gd name="connsiteX1" fmla="*/ 359441 w 901700"/>
+                <a:gd name="connsiteY1" fmla="*/ 434965 h 777875"/>
+                <a:gd name="connsiteX2" fmla="*/ 901700 w 901700"/>
+                <a:gd name="connsiteY2" fmla="*/ 0 h 777875"/>
+                <a:gd name="connsiteX0" fmla="*/ 0 w 901700"/>
+                <a:gd name="connsiteY0" fmla="*/ 777875 h 777875"/>
+                <a:gd name="connsiteX1" fmla="*/ 421573 w 901700"/>
+                <a:gd name="connsiteY1" fmla="*/ 413971 h 777875"/>
+                <a:gd name="connsiteX2" fmla="*/ 901700 w 901700"/>
+                <a:gd name="connsiteY2" fmla="*/ 0 h 777875"/>
+                <a:gd name="connsiteX0" fmla="*/ 0 w 901700"/>
+                <a:gd name="connsiteY0" fmla="*/ 777875 h 777875"/>
+                <a:gd name="connsiteX1" fmla="*/ 421573 w 901700"/>
+                <a:gd name="connsiteY1" fmla="*/ 413971 h 777875"/>
+                <a:gd name="connsiteX2" fmla="*/ 901700 w 901700"/>
+                <a:gd name="connsiteY2" fmla="*/ 0 h 777875"/>
+                <a:gd name="connsiteX0" fmla="*/ 0 w 901700"/>
+                <a:gd name="connsiteY0" fmla="*/ 777875 h 777875"/>
+                <a:gd name="connsiteX1" fmla="*/ 421573 w 901700"/>
+                <a:gd name="connsiteY1" fmla="*/ 413971 h 777875"/>
+                <a:gd name="connsiteX2" fmla="*/ 901700 w 901700"/>
+                <a:gd name="connsiteY2" fmla="*/ 0 h 777875"/>
+                <a:gd name="connsiteX0" fmla="*/ 0 w 901700"/>
+                <a:gd name="connsiteY0" fmla="*/ 777875 h 777875"/>
+                <a:gd name="connsiteX1" fmla="*/ 421573 w 901700"/>
+                <a:gd name="connsiteY1" fmla="*/ 413971 h 777875"/>
+                <a:gd name="connsiteX2" fmla="*/ 901700 w 901700"/>
+                <a:gd name="connsiteY2" fmla="*/ 0 h 777875"/>
+                <a:gd name="connsiteX0" fmla="*/ 0 w 901700"/>
+                <a:gd name="connsiteY0" fmla="*/ 777876 h 777876"/>
+                <a:gd name="connsiteX1" fmla="*/ 421573 w 901700"/>
+                <a:gd name="connsiteY1" fmla="*/ 413972 h 777876"/>
+                <a:gd name="connsiteX2" fmla="*/ 901700 w 901700"/>
+                <a:gd name="connsiteY2" fmla="*/ 1 h 777876"/>
+                <a:gd name="connsiteX0" fmla="*/ 0 w 901700"/>
+                <a:gd name="connsiteY0" fmla="*/ 777875 h 777875"/>
+                <a:gd name="connsiteX1" fmla="*/ 421573 w 901700"/>
+                <a:gd name="connsiteY1" fmla="*/ 413971 h 777875"/>
+                <a:gd name="connsiteX2" fmla="*/ 901700 w 901700"/>
+                <a:gd name="connsiteY2" fmla="*/ 0 h 777875"/>
+                <a:gd name="connsiteX0" fmla="*/ 0 w 901700"/>
+                <a:gd name="connsiteY0" fmla="*/ 777875 h 777875"/>
+                <a:gd name="connsiteX1" fmla="*/ 421573 w 901700"/>
+                <a:gd name="connsiteY1" fmla="*/ 413971 h 777875"/>
+                <a:gd name="connsiteX2" fmla="*/ 901700 w 901700"/>
+                <a:gd name="connsiteY2" fmla="*/ 0 h 777875"/>
+                <a:gd name="connsiteX0" fmla="*/ 0 w 901700"/>
+                <a:gd name="connsiteY0" fmla="*/ 777875 h 777875"/>
+                <a:gd name="connsiteX1" fmla="*/ 239959 w 901700"/>
+                <a:gd name="connsiteY1" fmla="*/ 416595 h 777875"/>
+                <a:gd name="connsiteX2" fmla="*/ 901700 w 901700"/>
+                <a:gd name="connsiteY2" fmla="*/ 0 h 777875"/>
               </a:gdLst>
               <a:ahLst/>
               <a:cxnLst>
@@ -3128,6 +3274,9 @@
                 <a:cxn ang="0">
                   <a:pos x="connsiteX1" y="connsiteY1"/>
                 </a:cxn>
+                <a:cxn ang="0">
+                  <a:pos x="connsiteX2" y="connsiteY2"/>
+                </a:cxn>
               </a:cxnLst>
               <a:rect l="l" t="t" r="r" b="b"/>
               <a:pathLst>
@@ -3136,8 +3285,13 @@
                     <a:pt x="0" y="777875"/>
                   </a:moveTo>
                   <a:cubicBezTo>
-                    <a:pt x="337873" y="630766"/>
-                    <a:pt x="701146" y="521758"/>
+                    <a:pt x="144740" y="524338"/>
+                    <a:pt x="77554" y="651506"/>
+                    <a:pt x="239959" y="416595"/>
+                  </a:cubicBezTo>
+                  <a:cubicBezTo>
+                    <a:pt x="395226" y="163645"/>
+                    <a:pt x="741770" y="36266"/>
                     <a:pt x="901700" y="0"/>
                   </a:cubicBezTo>
                 </a:path>
@@ -3169,69 +3323,12 @@
             <a:lstStyle/>
             <a:p>
               <a:pPr algn="ctr"/>
-              <a:endParaRPr lang="en-US"/>
+              <a:endParaRPr lang="en-US" dirty="0"/>
             </a:p>
           </p:txBody>
         </p:sp>
-        <p:sp>
-          <p:nvSpPr>
-            <p:cNvPr id="15" name="Прямоугольник 14">
-              <a:extLst>
-                <a:ext uri="{FF2B5EF4-FFF2-40B4-BE49-F238E27FC236}">
-                  <a16:creationId xmlns:a16="http://schemas.microsoft.com/office/drawing/2014/main" id="{49547C57-C2CD-5AAB-00F3-98F1207CE143}"/>
-                </a:ext>
-              </a:extLst>
-            </p:cNvPr>
-            <p:cNvSpPr/>
-            <p:nvPr/>
-          </p:nvSpPr>
-          <p:spPr>
-            <a:xfrm>
-              <a:off x="228597" y="164108"/>
-              <a:ext cx="895348" cy="705836"/>
-            </a:xfrm>
-            <a:prstGeom prst="rect">
-              <a:avLst/>
-            </a:prstGeom>
-            <a:solidFill>
-              <a:schemeClr val="bg1">
-                <a:alpha val="0"/>
-              </a:schemeClr>
-            </a:solidFill>
-            <a:ln w="4445">
-              <a:solidFill>
-                <a:schemeClr val="tx1"/>
-              </a:solidFill>
-              <a:prstDash val="dash"/>
-            </a:ln>
-          </p:spPr>
-          <p:style>
-            <a:lnRef idx="2">
-              <a:schemeClr val="accent1">
-                <a:shade val="15000"/>
-              </a:schemeClr>
-            </a:lnRef>
-            <a:fillRef idx="1">
-              <a:schemeClr val="accent1"/>
-            </a:fillRef>
-            <a:effectRef idx="0">
-              <a:schemeClr val="accent1"/>
-            </a:effectRef>
-            <a:fontRef idx="minor">
-              <a:schemeClr val="lt1"/>
-            </a:fontRef>
-          </p:style>
-          <p:txBody>
-            <a:bodyPr rtlCol="0" anchor="ctr"/>
-            <a:lstStyle/>
-            <a:p>
-              <a:pPr algn="ctr"/>
-              <a:endParaRPr lang="en-US"/>
-            </a:p>
-          </p:txBody>
-        </p:sp>
-        <mc:AlternateContent xmlns:mc="http://schemas.openxmlformats.org/markup-compatibility/2006">
-          <mc:Choice xmlns:a14="http://schemas.microsoft.com/office/drawing/2010/main" Requires="a14">
+        <mc:AlternateContent xmlns:mc="http://schemas.openxmlformats.org/markup-compatibility/2006" xmlns:a14="http://schemas.microsoft.com/office/drawing/2010/main">
+          <mc:Choice Requires="a14">
             <p:sp>
               <p:nvSpPr>
                 <p:cNvPr id="19" name="TextBox 18">
@@ -3260,6 +3357,7 @@
                 </a:bodyPr>
                 <a:lstStyle/>
                 <a:p>
+                  <a:pPr/>
                   <a14:m>
                     <m:oMathPara xmlns:m="http://schemas.openxmlformats.org/officeDocument/2006/math">
                       <m:oMathParaPr>
@@ -3327,7 +3425,7 @@
               </p:txBody>
             </p:sp>
           </mc:Choice>
-          <mc:Fallback>
+          <mc:Fallback xmlns="">
             <p:sp>
               <p:nvSpPr>
                 <p:cNvPr id="19" name="TextBox 18">
@@ -3372,8 +3470,8 @@
             </p:sp>
           </mc:Fallback>
         </mc:AlternateContent>
-        <mc:AlternateContent xmlns:mc="http://schemas.openxmlformats.org/markup-compatibility/2006">
-          <mc:Choice xmlns:a14="http://schemas.microsoft.com/office/drawing/2010/main" Requires="a14">
+        <mc:AlternateContent xmlns:mc="http://schemas.openxmlformats.org/markup-compatibility/2006" xmlns:a14="http://schemas.microsoft.com/office/drawing/2010/main">
+          <mc:Choice Requires="a14">
             <p:sp>
               <p:nvSpPr>
                 <p:cNvPr id="20" name="TextBox 19">
@@ -3402,6 +3500,7 @@
                 </a:bodyPr>
                 <a:lstStyle/>
                 <a:p>
+                  <a:pPr/>
                   <a14:m>
                     <m:oMathPara xmlns:m="http://schemas.openxmlformats.org/officeDocument/2006/math">
                       <m:oMathParaPr>
@@ -3477,7 +3576,7 @@
               </p:txBody>
             </p:sp>
           </mc:Choice>
-          <mc:Fallback>
+          <mc:Fallback xmlns="">
             <p:sp>
               <p:nvSpPr>
                 <p:cNvPr id="20" name="TextBox 19">
@@ -3538,7 +3637,7 @@
               </p:nvSpPr>
               <p:spPr>
                 <a:xfrm>
-                  <a:off x="822614" y="581550"/>
+                  <a:off x="427326" y="592595"/>
                   <a:ext cx="133563" cy="144591"/>
                 </a:xfrm>
                 <a:prstGeom prst="rect">
@@ -3552,6 +3651,7 @@
                 </a:bodyPr>
                 <a:lstStyle/>
                 <a:p>
+                  <a:pPr/>
                   <a14:m>
                     <m:oMathPara xmlns:m="http://schemas.openxmlformats.org/officeDocument/2006/math">
                       <m:oMathParaPr>
@@ -3637,7 +3737,7 @@
               </p:nvSpPr>
               <p:spPr>
                 <a:xfrm>
-                  <a:off x="822614" y="581550"/>
+                  <a:off x="427326" y="592595"/>
                   <a:ext cx="133563" cy="144591"/>
                 </a:xfrm>
                 <a:prstGeom prst="rect">
@@ -3679,7 +3779,7 @@
           </p:nvSpPr>
           <p:spPr>
             <a:xfrm>
-              <a:off x="858187" y="527911"/>
+              <a:off x="462899" y="538956"/>
               <a:ext cx="18288" cy="18288"/>
             </a:xfrm>
             <a:prstGeom prst="ellipse">
@@ -3721,8 +3821,8 @@
             </a:p>
           </p:txBody>
         </p:sp>
-        <mc:AlternateContent xmlns:mc="http://schemas.openxmlformats.org/markup-compatibility/2006">
-          <mc:Choice xmlns:a14="http://schemas.microsoft.com/office/drawing/2010/main" Requires="a14">
+        <mc:AlternateContent xmlns:mc="http://schemas.openxmlformats.org/markup-compatibility/2006" xmlns:a14="http://schemas.microsoft.com/office/drawing/2010/main">
+          <mc:Choice Requires="a14">
             <p:sp>
               <p:nvSpPr>
                 <p:cNvPr id="24" name="TextBox 23">
@@ -3791,7 +3891,7 @@
               </p:txBody>
             </p:sp>
           </mc:Choice>
-          <mc:Fallback>
+          <mc:Fallback xmlns="">
             <p:sp>
               <p:nvSpPr>
                 <p:cNvPr id="24" name="TextBox 23">
@@ -3836,8 +3936,8 @@
             </p:sp>
           </mc:Fallback>
         </mc:AlternateContent>
-        <mc:AlternateContent xmlns:mc="http://schemas.openxmlformats.org/markup-compatibility/2006">
-          <mc:Choice xmlns:a14="http://schemas.microsoft.com/office/drawing/2010/main" Requires="a14">
+        <mc:AlternateContent xmlns:mc="http://schemas.openxmlformats.org/markup-compatibility/2006" xmlns:a14="http://schemas.microsoft.com/office/drawing/2010/main">
+          <mc:Choice Requires="a14">
             <p:sp>
               <p:nvSpPr>
                 <p:cNvPr id="25" name="TextBox 24">
@@ -3906,7 +4006,7 @@
               </p:txBody>
             </p:sp>
           </mc:Choice>
-          <mc:Fallback>
+          <mc:Fallback xmlns="">
             <p:sp>
               <p:nvSpPr>
                 <p:cNvPr id="25" name="TextBox 24">
@@ -3951,8 +4051,8 @@
             </p:sp>
           </mc:Fallback>
         </mc:AlternateContent>
-        <mc:AlternateContent xmlns:mc="http://schemas.openxmlformats.org/markup-compatibility/2006">
-          <mc:Choice xmlns:a14="http://schemas.microsoft.com/office/drawing/2010/main" Requires="a14">
+        <mc:AlternateContent xmlns:mc="http://schemas.openxmlformats.org/markup-compatibility/2006" xmlns:a14="http://schemas.microsoft.com/office/drawing/2010/main">
+          <mc:Choice Requires="a14">
             <p:sp>
               <p:nvSpPr>
                 <p:cNvPr id="26" name="TextBox 25">
@@ -4002,7 +4102,7 @@
               </p:txBody>
             </p:sp>
           </mc:Choice>
-          <mc:Fallback>
+          <mc:Fallback xmlns="">
             <p:sp>
               <p:nvSpPr>
                 <p:cNvPr id="26" name="TextBox 25">
@@ -4201,7 +4301,7 @@
             <p:nvPr/>
           </p:nvSpPr>
           <p:spPr>
-            <a:xfrm>
+            <a:xfrm rot="10800000">
               <a:off x="228598" y="164108"/>
               <a:ext cx="898526" cy="705836"/>
             </a:xfrm>
@@ -4339,8 +4439,8 @@
             </a:p>
           </p:txBody>
         </p:sp>
-        <mc:AlternateContent xmlns:mc="http://schemas.openxmlformats.org/markup-compatibility/2006">
-          <mc:Choice xmlns:a14="http://schemas.microsoft.com/office/drawing/2010/main" Requires="a14">
+        <mc:AlternateContent xmlns:mc="http://schemas.openxmlformats.org/markup-compatibility/2006" xmlns:a14="http://schemas.microsoft.com/office/drawing/2010/main">
+          <mc:Choice Requires="a14">
             <p:sp>
               <p:nvSpPr>
                 <p:cNvPr id="7" name="TextBox 6">
@@ -4369,6 +4469,7 @@
                 </a:bodyPr>
                 <a:lstStyle/>
                 <a:p>
+                  <a:pPr/>
                   <a14:m>
                     <m:oMathPara xmlns:m="http://schemas.openxmlformats.org/officeDocument/2006/math">
                       <m:oMathParaPr>
@@ -4436,7 +4537,7 @@
               </p:txBody>
             </p:sp>
           </mc:Choice>
-          <mc:Fallback>
+          <mc:Fallback xmlns="">
             <p:sp>
               <p:nvSpPr>
                 <p:cNvPr id="7" name="TextBox 6">
@@ -4481,8 +4582,8 @@
             </p:sp>
           </mc:Fallback>
         </mc:AlternateContent>
-        <mc:AlternateContent xmlns:mc="http://schemas.openxmlformats.org/markup-compatibility/2006">
-          <mc:Choice xmlns:a14="http://schemas.microsoft.com/office/drawing/2010/main" Requires="a14">
+        <mc:AlternateContent xmlns:mc="http://schemas.openxmlformats.org/markup-compatibility/2006" xmlns:a14="http://schemas.microsoft.com/office/drawing/2010/main">
+          <mc:Choice Requires="a14">
             <p:sp>
               <p:nvSpPr>
                 <p:cNvPr id="8" name="TextBox 7">
@@ -4511,6 +4612,7 @@
                 </a:bodyPr>
                 <a:lstStyle/>
                 <a:p>
+                  <a:pPr/>
                   <a14:m>
                     <m:oMathPara xmlns:m="http://schemas.openxmlformats.org/officeDocument/2006/math">
                       <m:oMathParaPr>
@@ -4586,7 +4688,7 @@
               </p:txBody>
             </p:sp>
           </mc:Choice>
-          <mc:Fallback>
+          <mc:Fallback xmlns="">
             <p:sp>
               <p:nvSpPr>
                 <p:cNvPr id="8" name="TextBox 7">
@@ -4631,14 +4733,14 @@
             </p:sp>
           </mc:Fallback>
         </mc:AlternateContent>
-        <mc:AlternateContent xmlns:mc="http://schemas.openxmlformats.org/markup-compatibility/2006">
-          <mc:Choice xmlns:a14="http://schemas.microsoft.com/office/drawing/2010/main" Requires="a14">
+        <mc:AlternateContent xmlns:mc="http://schemas.openxmlformats.org/markup-compatibility/2006" xmlns:a14="http://schemas.microsoft.com/office/drawing/2010/main">
+          <mc:Choice Requires="a14">
             <p:sp>
               <p:nvSpPr>
-                <p:cNvPr id="9" name="TextBox 8">
+                <p:cNvPr id="11" name="TextBox 10">
                   <a:extLst>
                     <a:ext uri="{FF2B5EF4-FFF2-40B4-BE49-F238E27FC236}">
-                      <a16:creationId xmlns:a16="http://schemas.microsoft.com/office/drawing/2014/main" id="{4FDA854E-7EE0-82D9-FA31-5779CDB427A3}"/>
+                      <a16:creationId xmlns:a16="http://schemas.microsoft.com/office/drawing/2014/main" id="{292E53B1-4DED-82E0-23CC-38AB334A9B46}"/>
                     </a:ext>
                   </a:extLst>
                 </p:cNvPr>
@@ -4647,7 +4749,333 @@
               </p:nvSpPr>
               <p:spPr>
                 <a:xfrm>
-                  <a:off x="822614" y="581550"/>
+                  <a:off x="193207" y="-22235"/>
+                  <a:ext cx="184932" cy="169277"/>
+                </a:xfrm>
+                <a:prstGeom prst="rect">
+                  <a:avLst/>
+                </a:prstGeom>
+                <a:noFill/>
+              </p:spPr>
+              <p:txBody>
+                <a:bodyPr wrap="square">
+                  <a:spAutoFit/>
+                </a:bodyPr>
+                <a:lstStyle/>
+                <a:p>
+                  <a:pPr/>
+                  <a14:m>
+                    <m:oMathPara xmlns:m="http://schemas.openxmlformats.org/officeDocument/2006/math">
+                      <m:oMathParaPr>
+                        <m:jc m:val="centerGroup"/>
+                      </m:oMathParaPr>
+                      <m:oMath xmlns:m="http://schemas.openxmlformats.org/officeDocument/2006/math">
+                        <m:sSub>
+                          <m:sSubPr>
+                            <m:ctrlPr>
+                              <a:rPr lang="en-US" sz="500" b="0" i="1" smtClean="0">
+                                <a:latin typeface="Cambria Math" panose="02040503050406030204" pitchFamily="18" charset="0"/>
+                              </a:rPr>
+                            </m:ctrlPr>
+                          </m:sSubPr>
+                          <m:e>
+                            <m:r>
+                              <a:rPr lang="en-US" sz="500" b="0" i="1" smtClean="0">
+                                <a:latin typeface="Cambria Math" panose="02040503050406030204" pitchFamily="18" charset="0"/>
+                              </a:rPr>
+                              <m:t>𝐼</m:t>
+                            </m:r>
+                          </m:e>
+                          <m:sub>
+                            <m:r>
+                              <a:rPr lang="en-US" sz="500" b="0" i="1" smtClean="0">
+                                <a:latin typeface="Cambria Math" panose="02040503050406030204" pitchFamily="18" charset="0"/>
+                              </a:rPr>
+                              <m:t>3</m:t>
+                            </m:r>
+                          </m:sub>
+                        </m:sSub>
+                      </m:oMath>
+                    </m:oMathPara>
+                  </a14:m>
+                  <a:endParaRPr lang="en-US" sz="500" dirty="0"/>
+                </a:p>
+              </p:txBody>
+            </p:sp>
+          </mc:Choice>
+          <mc:Fallback xmlns="">
+            <p:sp>
+              <p:nvSpPr>
+                <p:cNvPr id="11" name="TextBox 10">
+                  <a:extLst>
+                    <a:ext uri="{FF2B5EF4-FFF2-40B4-BE49-F238E27FC236}">
+                      <a16:creationId xmlns:a16="http://schemas.microsoft.com/office/drawing/2014/main" id="{292E53B1-4DED-82E0-23CC-38AB334A9B46}"/>
+                    </a:ext>
+                  </a:extLst>
+                </p:cNvPr>
+                <p:cNvSpPr txBox="1">
+                  <a:spLocks noRot="1" noChangeAspect="1" noMove="1" noResize="1" noEditPoints="1" noAdjustHandles="1" noChangeArrowheads="1" noChangeShapeType="1" noTextEdit="1"/>
+                </p:cNvSpPr>
+                <p:nvPr/>
+              </p:nvSpPr>
+              <p:spPr>
+                <a:xfrm>
+                  <a:off x="193207" y="-22235"/>
+                  <a:ext cx="184932" cy="169277"/>
+                </a:xfrm>
+                <a:prstGeom prst="rect">
+                  <a:avLst/>
+                </a:prstGeom>
+                <a:blipFill>
+                  <a:blip r:embed="rId5"/>
+                  <a:stretch>
+                    <a:fillRect/>
+                  </a:stretch>
+                </a:blipFill>
+              </p:spPr>
+              <p:txBody>
+                <a:bodyPr/>
+                <a:lstStyle/>
+                <a:p>
+                  <a:r>
+                    <a:rPr lang="en-US">
+                      <a:noFill/>
+                    </a:rPr>
+                    <a:t> </a:t>
+                  </a:r>
+                </a:p>
+              </p:txBody>
+            </p:sp>
+          </mc:Fallback>
+        </mc:AlternateContent>
+        <mc:AlternateContent xmlns:mc="http://schemas.openxmlformats.org/markup-compatibility/2006" xmlns:a14="http://schemas.microsoft.com/office/drawing/2010/main">
+          <mc:Choice Requires="a14">
+            <p:sp>
+              <p:nvSpPr>
+                <p:cNvPr id="12" name="TextBox 11">
+                  <a:extLst>
+                    <a:ext uri="{FF2B5EF4-FFF2-40B4-BE49-F238E27FC236}">
+                      <a16:creationId xmlns:a16="http://schemas.microsoft.com/office/drawing/2014/main" id="{ED4A8151-CBFC-2BE9-D181-7676C254F6EC}"/>
+                    </a:ext>
+                  </a:extLst>
+                </p:cNvPr>
+                <p:cNvSpPr txBox="1"/>
+                <p:nvPr/>
+              </p:nvSpPr>
+              <p:spPr>
+                <a:xfrm>
+                  <a:off x="1070051" y="517026"/>
+                  <a:ext cx="184932" cy="169277"/>
+                </a:xfrm>
+                <a:prstGeom prst="rect">
+                  <a:avLst/>
+                </a:prstGeom>
+                <a:noFill/>
+              </p:spPr>
+              <p:txBody>
+                <a:bodyPr wrap="square">
+                  <a:spAutoFit/>
+                </a:bodyPr>
+                <a:lstStyle/>
+                <a:p>
+                  <a:pPr/>
+                  <a14:m>
+                    <m:oMathPara xmlns:m="http://schemas.openxmlformats.org/officeDocument/2006/math">
+                      <m:oMathParaPr>
+                        <m:jc m:val="centerGroup"/>
+                      </m:oMathParaPr>
+                      <m:oMath xmlns:m="http://schemas.openxmlformats.org/officeDocument/2006/math">
+                        <m:sSub>
+                          <m:sSubPr>
+                            <m:ctrlPr>
+                              <a:rPr lang="ru-RU" sz="500" b="0" i="1" smtClean="0">
+                                <a:latin typeface="Cambria Math" panose="02040503050406030204" pitchFamily="18" charset="0"/>
+                              </a:rPr>
+                            </m:ctrlPr>
+                          </m:sSubPr>
+                          <m:e>
+                            <m:r>
+                              <a:rPr lang="en-US" sz="500" b="0" i="1" smtClean="0">
+                                <a:latin typeface="Cambria Math" panose="02040503050406030204" pitchFamily="18" charset="0"/>
+                              </a:rPr>
+                              <m:t>𝑅</m:t>
+                            </m:r>
+                          </m:e>
+                          <m:sub>
+                            <m:r>
+                              <a:rPr lang="ru-RU" sz="500" b="0" i="1" smtClean="0">
+                                <a:latin typeface="Cambria Math" panose="02040503050406030204" pitchFamily="18" charset="0"/>
+                              </a:rPr>
+                              <m:t>1</m:t>
+                            </m:r>
+                          </m:sub>
+                        </m:sSub>
+                      </m:oMath>
+                    </m:oMathPara>
+                  </a14:m>
+                  <a:endParaRPr lang="en-US" sz="500" dirty="0"/>
+                </a:p>
+              </p:txBody>
+            </p:sp>
+          </mc:Choice>
+          <mc:Fallback xmlns="">
+            <p:sp>
+              <p:nvSpPr>
+                <p:cNvPr id="12" name="TextBox 11">
+                  <a:extLst>
+                    <a:ext uri="{FF2B5EF4-FFF2-40B4-BE49-F238E27FC236}">
+                      <a16:creationId xmlns:a16="http://schemas.microsoft.com/office/drawing/2014/main" id="{ED4A8151-CBFC-2BE9-D181-7676C254F6EC}"/>
+                    </a:ext>
+                  </a:extLst>
+                </p:cNvPr>
+                <p:cNvSpPr txBox="1">
+                  <a:spLocks noRot="1" noChangeAspect="1" noMove="1" noResize="1" noEditPoints="1" noAdjustHandles="1" noChangeArrowheads="1" noChangeShapeType="1" noTextEdit="1"/>
+                </p:cNvSpPr>
+                <p:nvPr/>
+              </p:nvSpPr>
+              <p:spPr>
+                <a:xfrm>
+                  <a:off x="1070051" y="517026"/>
+                  <a:ext cx="184932" cy="169277"/>
+                </a:xfrm>
+                <a:prstGeom prst="rect">
+                  <a:avLst/>
+                </a:prstGeom>
+                <a:blipFill>
+                  <a:blip r:embed="rId6"/>
+                  <a:stretch>
+                    <a:fillRect/>
+                  </a:stretch>
+                </a:blipFill>
+              </p:spPr>
+              <p:txBody>
+                <a:bodyPr/>
+                <a:lstStyle/>
+                <a:p>
+                  <a:r>
+                    <a:rPr lang="en-US">
+                      <a:noFill/>
+                    </a:rPr>
+                    <a:t> </a:t>
+                  </a:r>
+                </a:p>
+              </p:txBody>
+            </p:sp>
+          </mc:Fallback>
+        </mc:AlternateContent>
+        <mc:AlternateContent xmlns:mc="http://schemas.openxmlformats.org/markup-compatibility/2006" xmlns:a14="http://schemas.microsoft.com/office/drawing/2010/main">
+          <mc:Choice Requires="a14">
+            <p:sp>
+              <p:nvSpPr>
+                <p:cNvPr id="13" name="TextBox 12">
+                  <a:extLst>
+                    <a:ext uri="{FF2B5EF4-FFF2-40B4-BE49-F238E27FC236}">
+                      <a16:creationId xmlns:a16="http://schemas.microsoft.com/office/drawing/2014/main" id="{56F0FB9F-BC62-DC76-36F1-C514D53F831E}"/>
+                    </a:ext>
+                  </a:extLst>
+                </p:cNvPr>
+                <p:cNvSpPr txBox="1"/>
+                <p:nvPr/>
+              </p:nvSpPr>
+              <p:spPr>
+                <a:xfrm>
+                  <a:off x="53489" y="452416"/>
+                  <a:ext cx="184932" cy="169277"/>
+                </a:xfrm>
+                <a:prstGeom prst="rect">
+                  <a:avLst/>
+                </a:prstGeom>
+                <a:noFill/>
+              </p:spPr>
+              <p:txBody>
+                <a:bodyPr wrap="square">
+                  <a:spAutoFit/>
+                </a:bodyPr>
+                <a:lstStyle/>
+                <a:p>
+                  <a:pPr/>
+                  <a14:m>
+                    <m:oMathPara xmlns:m="http://schemas.openxmlformats.org/officeDocument/2006/math">
+                      <m:oMathParaPr>
+                        <m:jc m:val="centerGroup"/>
+                      </m:oMathParaPr>
+                      <m:oMath xmlns:m="http://schemas.openxmlformats.org/officeDocument/2006/math">
+                        <m:r>
+                          <a:rPr lang="en-US" sz="500" b="0" i="1" smtClean="0">
+                            <a:latin typeface="Cambria Math" panose="02040503050406030204" pitchFamily="18" charset="0"/>
+                          </a:rPr>
+                          <m:t>0</m:t>
+                        </m:r>
+                      </m:oMath>
+                    </m:oMathPara>
+                  </a14:m>
+                  <a:endParaRPr lang="en-US" sz="500" dirty="0"/>
+                </a:p>
+              </p:txBody>
+            </p:sp>
+          </mc:Choice>
+          <mc:Fallback xmlns="">
+            <p:sp>
+              <p:nvSpPr>
+                <p:cNvPr id="13" name="TextBox 12">
+                  <a:extLst>
+                    <a:ext uri="{FF2B5EF4-FFF2-40B4-BE49-F238E27FC236}">
+                      <a16:creationId xmlns:a16="http://schemas.microsoft.com/office/drawing/2014/main" id="{56F0FB9F-BC62-DC76-36F1-C514D53F831E}"/>
+                    </a:ext>
+                  </a:extLst>
+                </p:cNvPr>
+                <p:cNvSpPr txBox="1">
+                  <a:spLocks noRot="1" noChangeAspect="1" noMove="1" noResize="1" noEditPoints="1" noAdjustHandles="1" noChangeArrowheads="1" noChangeShapeType="1" noTextEdit="1"/>
+                </p:cNvSpPr>
+                <p:nvPr/>
+              </p:nvSpPr>
+              <p:spPr>
+                <a:xfrm>
+                  <a:off x="53489" y="452416"/>
+                  <a:ext cx="184932" cy="169277"/>
+                </a:xfrm>
+                <a:prstGeom prst="rect">
+                  <a:avLst/>
+                </a:prstGeom>
+                <a:blipFill>
+                  <a:blip r:embed="rId7"/>
+                  <a:stretch>
+                    <a:fillRect/>
+                  </a:stretch>
+                </a:blipFill>
+              </p:spPr>
+              <p:txBody>
+                <a:bodyPr/>
+                <a:lstStyle/>
+                <a:p>
+                  <a:r>
+                    <a:rPr lang="en-US">
+                      <a:noFill/>
+                    </a:rPr>
+                    <a:t> </a:t>
+                  </a:r>
+                </a:p>
+              </p:txBody>
+            </p:sp>
+          </mc:Fallback>
+        </mc:AlternateContent>
+        <mc:AlternateContent xmlns:mc="http://schemas.openxmlformats.org/markup-compatibility/2006">
+          <mc:Choice xmlns:a14="http://schemas.microsoft.com/office/drawing/2010/main" Requires="a14">
+            <p:sp>
+              <p:nvSpPr>
+                <p:cNvPr id="14" name="TextBox 13">
+                  <a:extLst>
+                    <a:ext uri="{FF2B5EF4-FFF2-40B4-BE49-F238E27FC236}">
+                      <a16:creationId xmlns:a16="http://schemas.microsoft.com/office/drawing/2014/main" id="{21C2E935-7F51-1BD7-58A2-F4E9894D8860}"/>
+                    </a:ext>
+                  </a:extLst>
+                </p:cNvPr>
+                <p:cNvSpPr txBox="1"/>
+                <p:nvPr/>
+              </p:nvSpPr>
+              <p:spPr>
+                <a:xfrm>
+                  <a:off x="398751" y="592594"/>
                   <a:ext cx="133563" cy="144591"/>
                 </a:xfrm>
                 <a:prstGeom prst="rect">
@@ -4661,6 +5089,7 @@
                 </a:bodyPr>
                 <a:lstStyle/>
                 <a:p>
+                  <a:pPr/>
                   <a14:m>
                     <m:oMathPara xmlns:m="http://schemas.openxmlformats.org/officeDocument/2006/math">
                       <m:oMathParaPr>
@@ -4732,10 +5161,10 @@
           <mc:Fallback>
             <p:sp>
               <p:nvSpPr>
-                <p:cNvPr id="9" name="TextBox 8">
+                <p:cNvPr id="14" name="TextBox 13">
                   <a:extLst>
                     <a:ext uri="{FF2B5EF4-FFF2-40B4-BE49-F238E27FC236}">
-                      <a16:creationId xmlns:a16="http://schemas.microsoft.com/office/drawing/2014/main" id="{4FDA854E-7EE0-82D9-FA31-5779CDB427A3}"/>
+                      <a16:creationId xmlns:a16="http://schemas.microsoft.com/office/drawing/2014/main" id="{21C2E935-7F51-1BD7-58A2-F4E9894D8860}"/>
                     </a:ext>
                   </a:extLst>
                 </p:cNvPr>
@@ -4746,16 +5175,16 @@
               </p:nvSpPr>
               <p:spPr>
                 <a:xfrm>
-                  <a:off x="822614" y="581550"/>
+                  <a:off x="398751" y="592594"/>
                   <a:ext cx="133563" cy="144591"/>
                 </a:xfrm>
                 <a:prstGeom prst="rect">
                   <a:avLst/>
                 </a:prstGeom>
                 <a:blipFill>
-                  <a:blip r:embed="rId4"/>
+                  <a:blip r:embed="rId8"/>
                   <a:stretch>
-                    <a:fillRect l="-13636" t="-4167" r="-9091" b="-12500"/>
+                    <a:fillRect l="-14286" t="-4167" r="-14286" b="-12500"/>
                   </a:stretch>
                 </a:blipFill>
               </p:spPr>
@@ -4776,10 +5205,10 @@
         </mc:AlternateContent>
         <p:sp>
           <p:nvSpPr>
-            <p:cNvPr id="10" name="Овал 9">
+            <p:cNvPr id="15" name="Овал 14">
               <a:extLst>
                 <a:ext uri="{FF2B5EF4-FFF2-40B4-BE49-F238E27FC236}">
-                  <a16:creationId xmlns:a16="http://schemas.microsoft.com/office/drawing/2014/main" id="{4BB7E389-9CDD-2867-62A8-9D817D131B6A}"/>
+                  <a16:creationId xmlns:a16="http://schemas.microsoft.com/office/drawing/2014/main" id="{5B6AF253-3C4D-F57A-69B1-4920D540D4F2}"/>
                 </a:ext>
               </a:extLst>
             </p:cNvPr>
@@ -4788,7 +5217,7 @@
           </p:nvSpPr>
           <p:spPr>
             <a:xfrm>
-              <a:off x="858187" y="527911"/>
+              <a:off x="434324" y="538955"/>
               <a:ext cx="18288" cy="18288"/>
             </a:xfrm>
             <a:prstGeom prst="ellipse">
@@ -4826,336 +5255,10 @@
             <a:lstStyle/>
             <a:p>
               <a:pPr algn="ctr"/>
-              <a:endParaRPr lang="en-US"/>
+              <a:endParaRPr lang="en-US" dirty="0"/>
             </a:p>
           </p:txBody>
         </p:sp>
-        <mc:AlternateContent xmlns:mc="http://schemas.openxmlformats.org/markup-compatibility/2006">
-          <mc:Choice xmlns:a14="http://schemas.microsoft.com/office/drawing/2010/main" Requires="a14">
-            <p:sp>
-              <p:nvSpPr>
-                <p:cNvPr id="11" name="TextBox 10">
-                  <a:extLst>
-                    <a:ext uri="{FF2B5EF4-FFF2-40B4-BE49-F238E27FC236}">
-                      <a16:creationId xmlns:a16="http://schemas.microsoft.com/office/drawing/2014/main" id="{292E53B1-4DED-82E0-23CC-38AB334A9B46}"/>
-                    </a:ext>
-                  </a:extLst>
-                </p:cNvPr>
-                <p:cNvSpPr txBox="1"/>
-                <p:nvPr/>
-              </p:nvSpPr>
-              <p:spPr>
-                <a:xfrm>
-                  <a:off x="193207" y="-22235"/>
-                  <a:ext cx="184932" cy="169277"/>
-                </a:xfrm>
-                <a:prstGeom prst="rect">
-                  <a:avLst/>
-                </a:prstGeom>
-                <a:noFill/>
-              </p:spPr>
-              <p:txBody>
-                <a:bodyPr wrap="square">
-                  <a:spAutoFit/>
-                </a:bodyPr>
-                <a:lstStyle/>
-                <a:p>
-                  <a:pPr/>
-                  <a14:m>
-                    <m:oMathPara xmlns:m="http://schemas.openxmlformats.org/officeDocument/2006/math">
-                      <m:oMathParaPr>
-                        <m:jc m:val="centerGroup"/>
-                      </m:oMathParaPr>
-                      <m:oMath xmlns:m="http://schemas.openxmlformats.org/officeDocument/2006/math">
-                        <m:sSub>
-                          <m:sSubPr>
-                            <m:ctrlPr>
-                              <a:rPr lang="en-US" sz="500" b="0" i="1" smtClean="0">
-                                <a:latin typeface="Cambria Math" panose="02040503050406030204" pitchFamily="18" charset="0"/>
-                              </a:rPr>
-                            </m:ctrlPr>
-                          </m:sSubPr>
-                          <m:e>
-                            <m:r>
-                              <a:rPr lang="en-US" sz="500" b="0" i="1" smtClean="0">
-                                <a:latin typeface="Cambria Math" panose="02040503050406030204" pitchFamily="18" charset="0"/>
-                              </a:rPr>
-                              <m:t>𝐼</m:t>
-                            </m:r>
-                          </m:e>
-                          <m:sub>
-                            <m:r>
-                              <a:rPr lang="en-US" sz="500" b="0" i="1" smtClean="0">
-                                <a:latin typeface="Cambria Math" panose="02040503050406030204" pitchFamily="18" charset="0"/>
-                              </a:rPr>
-                              <m:t>3</m:t>
-                            </m:r>
-                          </m:sub>
-                        </m:sSub>
-                      </m:oMath>
-                    </m:oMathPara>
-                  </a14:m>
-                  <a:endParaRPr lang="en-US" sz="500" dirty="0"/>
-                </a:p>
-              </p:txBody>
-            </p:sp>
-          </mc:Choice>
-          <mc:Fallback>
-            <p:sp>
-              <p:nvSpPr>
-                <p:cNvPr id="11" name="TextBox 10">
-                  <a:extLst>
-                    <a:ext uri="{FF2B5EF4-FFF2-40B4-BE49-F238E27FC236}">
-                      <a16:creationId xmlns:a16="http://schemas.microsoft.com/office/drawing/2014/main" id="{292E53B1-4DED-82E0-23CC-38AB334A9B46}"/>
-                    </a:ext>
-                  </a:extLst>
-                </p:cNvPr>
-                <p:cNvSpPr txBox="1">
-                  <a:spLocks noRot="1" noChangeAspect="1" noMove="1" noResize="1" noEditPoints="1" noAdjustHandles="1" noChangeArrowheads="1" noChangeShapeType="1" noTextEdit="1"/>
-                </p:cNvSpPr>
-                <p:nvPr/>
-              </p:nvSpPr>
-              <p:spPr>
-                <a:xfrm>
-                  <a:off x="193207" y="-22235"/>
-                  <a:ext cx="184932" cy="169277"/>
-                </a:xfrm>
-                <a:prstGeom prst="rect">
-                  <a:avLst/>
-                </a:prstGeom>
-                <a:blipFill>
-                  <a:blip r:embed="rId5"/>
-                  <a:stretch>
-                    <a:fillRect/>
-                  </a:stretch>
-                </a:blipFill>
-              </p:spPr>
-              <p:txBody>
-                <a:bodyPr/>
-                <a:lstStyle/>
-                <a:p>
-                  <a:r>
-                    <a:rPr lang="en-US">
-                      <a:noFill/>
-                    </a:rPr>
-                    <a:t> </a:t>
-                  </a:r>
-                </a:p>
-              </p:txBody>
-            </p:sp>
-          </mc:Fallback>
-        </mc:AlternateContent>
-        <mc:AlternateContent xmlns:mc="http://schemas.openxmlformats.org/markup-compatibility/2006">
-          <mc:Choice xmlns:a14="http://schemas.microsoft.com/office/drawing/2010/main" Requires="a14">
-            <p:sp>
-              <p:nvSpPr>
-                <p:cNvPr id="12" name="TextBox 11">
-                  <a:extLst>
-                    <a:ext uri="{FF2B5EF4-FFF2-40B4-BE49-F238E27FC236}">
-                      <a16:creationId xmlns:a16="http://schemas.microsoft.com/office/drawing/2014/main" id="{ED4A8151-CBFC-2BE9-D181-7676C254F6EC}"/>
-                    </a:ext>
-                  </a:extLst>
-                </p:cNvPr>
-                <p:cNvSpPr txBox="1"/>
-                <p:nvPr/>
-              </p:nvSpPr>
-              <p:spPr>
-                <a:xfrm>
-                  <a:off x="1070051" y="517026"/>
-                  <a:ext cx="184932" cy="169277"/>
-                </a:xfrm>
-                <a:prstGeom prst="rect">
-                  <a:avLst/>
-                </a:prstGeom>
-                <a:noFill/>
-              </p:spPr>
-              <p:txBody>
-                <a:bodyPr wrap="square">
-                  <a:spAutoFit/>
-                </a:bodyPr>
-                <a:lstStyle/>
-                <a:p>
-                  <a:pPr/>
-                  <a14:m>
-                    <m:oMathPara xmlns:m="http://schemas.openxmlformats.org/officeDocument/2006/math">
-                      <m:oMathParaPr>
-                        <m:jc m:val="centerGroup"/>
-                      </m:oMathParaPr>
-                      <m:oMath xmlns:m="http://schemas.openxmlformats.org/officeDocument/2006/math">
-                        <m:sSub>
-                          <m:sSubPr>
-                            <m:ctrlPr>
-                              <a:rPr lang="ru-RU" sz="500" b="0" i="1" smtClean="0">
-                                <a:latin typeface="Cambria Math" panose="02040503050406030204" pitchFamily="18" charset="0"/>
-                              </a:rPr>
-                            </m:ctrlPr>
-                          </m:sSubPr>
-                          <m:e>
-                            <m:r>
-                              <a:rPr lang="en-US" sz="500" b="0" i="1" smtClean="0">
-                                <a:latin typeface="Cambria Math" panose="02040503050406030204" pitchFamily="18" charset="0"/>
-                              </a:rPr>
-                              <m:t>𝑅</m:t>
-                            </m:r>
-                          </m:e>
-                          <m:sub>
-                            <m:r>
-                              <a:rPr lang="ru-RU" sz="500" b="0" i="1" smtClean="0">
-                                <a:latin typeface="Cambria Math" panose="02040503050406030204" pitchFamily="18" charset="0"/>
-                              </a:rPr>
-                              <m:t>1</m:t>
-                            </m:r>
-                          </m:sub>
-                        </m:sSub>
-                      </m:oMath>
-                    </m:oMathPara>
-                  </a14:m>
-                  <a:endParaRPr lang="en-US" sz="500" dirty="0"/>
-                </a:p>
-              </p:txBody>
-            </p:sp>
-          </mc:Choice>
-          <mc:Fallback>
-            <p:sp>
-              <p:nvSpPr>
-                <p:cNvPr id="12" name="TextBox 11">
-                  <a:extLst>
-                    <a:ext uri="{FF2B5EF4-FFF2-40B4-BE49-F238E27FC236}">
-                      <a16:creationId xmlns:a16="http://schemas.microsoft.com/office/drawing/2014/main" id="{ED4A8151-CBFC-2BE9-D181-7676C254F6EC}"/>
-                    </a:ext>
-                  </a:extLst>
-                </p:cNvPr>
-                <p:cNvSpPr txBox="1">
-                  <a:spLocks noRot="1" noChangeAspect="1" noMove="1" noResize="1" noEditPoints="1" noAdjustHandles="1" noChangeArrowheads="1" noChangeShapeType="1" noTextEdit="1"/>
-                </p:cNvSpPr>
-                <p:nvPr/>
-              </p:nvSpPr>
-              <p:spPr>
-                <a:xfrm>
-                  <a:off x="1070051" y="517026"/>
-                  <a:ext cx="184932" cy="169277"/>
-                </a:xfrm>
-                <a:prstGeom prst="rect">
-                  <a:avLst/>
-                </a:prstGeom>
-                <a:blipFill>
-                  <a:blip r:embed="rId6"/>
-                  <a:stretch>
-                    <a:fillRect/>
-                  </a:stretch>
-                </a:blipFill>
-              </p:spPr>
-              <p:txBody>
-                <a:bodyPr/>
-                <a:lstStyle/>
-                <a:p>
-                  <a:r>
-                    <a:rPr lang="en-US">
-                      <a:noFill/>
-                    </a:rPr>
-                    <a:t> </a:t>
-                  </a:r>
-                </a:p>
-              </p:txBody>
-            </p:sp>
-          </mc:Fallback>
-        </mc:AlternateContent>
-        <mc:AlternateContent xmlns:mc="http://schemas.openxmlformats.org/markup-compatibility/2006">
-          <mc:Choice xmlns:a14="http://schemas.microsoft.com/office/drawing/2010/main" Requires="a14">
-            <p:sp>
-              <p:nvSpPr>
-                <p:cNvPr id="13" name="TextBox 12">
-                  <a:extLst>
-                    <a:ext uri="{FF2B5EF4-FFF2-40B4-BE49-F238E27FC236}">
-                      <a16:creationId xmlns:a16="http://schemas.microsoft.com/office/drawing/2014/main" id="{56F0FB9F-BC62-DC76-36F1-C514D53F831E}"/>
-                    </a:ext>
-                  </a:extLst>
-                </p:cNvPr>
-                <p:cNvSpPr txBox="1"/>
-                <p:nvPr/>
-              </p:nvSpPr>
-              <p:spPr>
-                <a:xfrm>
-                  <a:off x="53489" y="452416"/>
-                  <a:ext cx="184932" cy="169277"/>
-                </a:xfrm>
-                <a:prstGeom prst="rect">
-                  <a:avLst/>
-                </a:prstGeom>
-                <a:noFill/>
-              </p:spPr>
-              <p:txBody>
-                <a:bodyPr wrap="square">
-                  <a:spAutoFit/>
-                </a:bodyPr>
-                <a:lstStyle/>
-                <a:p>
-                  <a:pPr/>
-                  <a14:m>
-                    <m:oMathPara xmlns:m="http://schemas.openxmlformats.org/officeDocument/2006/math">
-                      <m:oMathParaPr>
-                        <m:jc m:val="centerGroup"/>
-                      </m:oMathParaPr>
-                      <m:oMath xmlns:m="http://schemas.openxmlformats.org/officeDocument/2006/math">
-                        <m:r>
-                          <a:rPr lang="en-US" sz="500" b="0" i="1" smtClean="0">
-                            <a:latin typeface="Cambria Math" panose="02040503050406030204" pitchFamily="18" charset="0"/>
-                          </a:rPr>
-                          <m:t>0</m:t>
-                        </m:r>
-                      </m:oMath>
-                    </m:oMathPara>
-                  </a14:m>
-                  <a:endParaRPr lang="en-US" sz="500" dirty="0"/>
-                </a:p>
-              </p:txBody>
-            </p:sp>
-          </mc:Choice>
-          <mc:Fallback>
-            <p:sp>
-              <p:nvSpPr>
-                <p:cNvPr id="13" name="TextBox 12">
-                  <a:extLst>
-                    <a:ext uri="{FF2B5EF4-FFF2-40B4-BE49-F238E27FC236}">
-                      <a16:creationId xmlns:a16="http://schemas.microsoft.com/office/drawing/2014/main" id="{56F0FB9F-BC62-DC76-36F1-C514D53F831E}"/>
-                    </a:ext>
-                  </a:extLst>
-                </p:cNvPr>
-                <p:cNvSpPr txBox="1">
-                  <a:spLocks noRot="1" noChangeAspect="1" noMove="1" noResize="1" noEditPoints="1" noAdjustHandles="1" noChangeArrowheads="1" noChangeShapeType="1" noTextEdit="1"/>
-                </p:cNvSpPr>
-                <p:nvPr/>
-              </p:nvSpPr>
-              <p:spPr>
-                <a:xfrm>
-                  <a:off x="53489" y="452416"/>
-                  <a:ext cx="184932" cy="169277"/>
-                </a:xfrm>
-                <a:prstGeom prst="rect">
-                  <a:avLst/>
-                </a:prstGeom>
-                <a:blipFill>
-                  <a:blip r:embed="rId7"/>
-                  <a:stretch>
-                    <a:fillRect/>
-                  </a:stretch>
-                </a:blipFill>
-              </p:spPr>
-              <p:txBody>
-                <a:bodyPr/>
-                <a:lstStyle/>
-                <a:p>
-                  <a:r>
-                    <a:rPr lang="en-US">
-                      <a:noFill/>
-                    </a:rPr>
-                    <a:t> </a:t>
-                  </a:r>
-                </a:p>
-              </p:txBody>
-            </p:sp>
-          </mc:Fallback>
-        </mc:AlternateContent>
       </p:grpSp>
     </p:spTree>
     <p:extLst>
